--- a/Presentation PvV  (2).pptx
+++ b/Presentation PvV  (2).pptx
@@ -116,7 +116,7 @@
   </p:defaultTextStyle>
   <p:extLst>
     <p:ext uri="{EFAFB233-063F-42B5-8137-9DF3F51BA10A}">
-      <p15:sldGuideLst xmlns="" xmlns:p15="http://schemas.microsoft.com/office/powerpoint/2012/main">
+      <p15:sldGuideLst xmlns:p15="http://schemas.microsoft.com/office/powerpoint/2012/main">
         <p15:guide id="1" orient="horz" pos="2160">
           <p15:clr>
             <a:srgbClr val="A4A3A4"/>
@@ -131,6 +131,10 @@
     </p:ext>
   </p:extLst>
 </p:presentation>
+</file>
+
+<file path=ppt/revisionInfo.xml><?xml version="1.0" encoding="utf-8"?>
+<p1510:revInfo xmlns:a="http://schemas.openxmlformats.org/drawingml/2006/main" xmlns:r="http://schemas.openxmlformats.org/officeDocument/2006/relationships" xmlns:p1510="http://schemas.microsoft.com/office/powerpoint/2015/10/main"/>
 </file>
 
 <file path=ppt/slideLayouts/slideLayout1.xml><?xml version="1.0" encoding="utf-8"?>
@@ -357,7 +361,7 @@
           <a:p>
             <a:fld id="{03CEC41E-48BD-4881-B6FF-D82EEBBCD904}" type="datetimeFigureOut">
               <a:rPr lang="en-US" smtClean="0"/>
-              <a:t>4/28/18</a:t>
+              <a:t>4/28/2018</a:t>
             </a:fld>
             <a:endParaRPr lang="en-US"/>
           </a:p>
@@ -674,7 +678,7 @@
           <a:p>
             <a:fld id="{03CEC41E-48BD-4881-B6FF-D82EEBBCD904}" type="datetimeFigureOut">
               <a:rPr lang="en-US" smtClean="0"/>
-              <a:t>4/28/18</a:t>
+              <a:t>4/28/2018</a:t>
             </a:fld>
             <a:endParaRPr lang="en-US"/>
           </a:p>
@@ -903,7 +907,7 @@
           <a:p>
             <a:fld id="{03CEC41E-48BD-4881-B6FF-D82EEBBCD904}" type="datetimeFigureOut">
               <a:rPr lang="en-US" smtClean="0"/>
-              <a:t>4/28/18</a:t>
+              <a:t>4/28/2018</a:t>
             </a:fld>
             <a:endParaRPr lang="en-US"/>
           </a:p>
@@ -1224,7 +1228,7 @@
           <a:p>
             <a:fld id="{03CEC41E-48BD-4881-B6FF-D82EEBBCD904}" type="datetimeFigureOut">
               <a:rPr lang="en-US" smtClean="0"/>
-              <a:t>4/28/18</a:t>
+              <a:t>4/28/2018</a:t>
             </a:fld>
             <a:endParaRPr lang="en-US"/>
           </a:p>
@@ -1417,7 +1421,7 @@
           <a:p>
             <a:fld id="{03CEC41E-48BD-4881-B6FF-D82EEBBCD904}" type="datetimeFigureOut">
               <a:rPr lang="en-US" smtClean="0"/>
-              <a:t>4/28/18</a:t>
+              <a:t>4/28/2018</a:t>
             </a:fld>
             <a:endParaRPr lang="en-US"/>
           </a:p>
@@ -1586,7 +1590,7 @@
           <a:p>
             <a:fld id="{03CEC41E-48BD-4881-B6FF-D82EEBBCD904}" type="datetimeFigureOut">
               <a:rPr lang="en-US" smtClean="0"/>
-              <a:t>4/28/18</a:t>
+              <a:t>4/28/2018</a:t>
             </a:fld>
             <a:endParaRPr lang="en-US"/>
           </a:p>
@@ -1845,7 +1849,7 @@
           <a:p>
             <a:fld id="{03CEC41E-48BD-4881-B6FF-D82EEBBCD904}" type="datetimeFigureOut">
               <a:rPr lang="en-US" smtClean="0"/>
-              <a:t>4/28/18</a:t>
+              <a:t>4/28/2018</a:t>
             </a:fld>
             <a:endParaRPr lang="en-US"/>
           </a:p>
@@ -2175,7 +2179,7 @@
           <a:p>
             <a:fld id="{03CEC41E-48BD-4881-B6FF-D82EEBBCD904}" type="datetimeFigureOut">
               <a:rPr lang="en-US" smtClean="0"/>
-              <a:t>4/28/18</a:t>
+              <a:t>4/28/2018</a:t>
             </a:fld>
             <a:endParaRPr lang="en-US"/>
           </a:p>
@@ -2467,7 +2471,7 @@
           <a:p>
             <a:fld id="{03CEC41E-48BD-4881-B6FF-D82EEBBCD904}" type="datetimeFigureOut">
               <a:rPr lang="en-US" smtClean="0"/>
-              <a:t>4/28/18</a:t>
+              <a:t>4/28/2018</a:t>
             </a:fld>
             <a:endParaRPr lang="en-US"/>
           </a:p>
@@ -2903,7 +2907,7 @@
           <a:p>
             <a:fld id="{03CEC41E-48BD-4881-B6FF-D82EEBBCD904}" type="datetimeFigureOut">
               <a:rPr lang="en-US" smtClean="0"/>
-              <a:t>4/28/18</a:t>
+              <a:t>4/28/2018</a:t>
             </a:fld>
             <a:endParaRPr lang="en-US"/>
           </a:p>
@@ -3016,7 +3020,7 @@
           <a:p>
             <a:fld id="{03CEC41E-48BD-4881-B6FF-D82EEBBCD904}" type="datetimeFigureOut">
               <a:rPr lang="en-US" smtClean="0"/>
-              <a:t>4/28/18</a:t>
+              <a:t>4/28/2018</a:t>
             </a:fld>
             <a:endParaRPr lang="en-US"/>
           </a:p>
@@ -3111,7 +3115,7 @@
           <a:p>
             <a:fld id="{03CEC41E-48BD-4881-B6FF-D82EEBBCD904}" type="datetimeFigureOut">
               <a:rPr lang="en-US" smtClean="0"/>
-              <a:t>4/28/18</a:t>
+              <a:t>4/28/2018</a:t>
             </a:fld>
             <a:endParaRPr lang="en-US"/>
           </a:p>
@@ -3427,7 +3431,7 @@
           <a:p>
             <a:fld id="{03CEC41E-48BD-4881-B6FF-D82EEBBCD904}" type="datetimeFigureOut">
               <a:rPr lang="en-US" smtClean="0"/>
-              <a:t>4/28/18</a:t>
+              <a:t>4/28/2018</a:t>
             </a:fld>
             <a:endParaRPr lang="en-US"/>
           </a:p>
@@ -3655,7 +3659,7 @@
           <a:p>
             <a:fld id="{03CEC41E-48BD-4881-B6FF-D82EEBBCD904}" type="datetimeFigureOut">
               <a:rPr lang="en-US" smtClean="0"/>
-              <a:t>4/28/18</a:t>
+              <a:t>4/28/2018</a:t>
             </a:fld>
             <a:endParaRPr lang="en-US"/>
           </a:p>
@@ -4262,23 +4266,7 @@
           <a:p>
             <a:r>
               <a:rPr lang="en-US" dirty="0"/>
-              <a:t>The testing was performed by </a:t>
-            </a:r>
-            <a:r>
-              <a:rPr lang="en-US"/>
-              <a:t>adding </a:t>
-            </a:r>
-            <a:r>
-              <a:rPr lang="en-US" smtClean="0"/>
-              <a:t>simulated </a:t>
-            </a:r>
-            <a:r>
-              <a:rPr lang="en-US" smtClean="0"/>
-              <a:t>data </a:t>
-            </a:r>
-            <a:r>
-              <a:rPr lang="en-US" dirty="0"/>
-              <a:t>and SQL Queries to check for bugs</a:t>
+              <a:t>The testing was performed by adding simulated data and SQL Queries to check for bugs</a:t>
             </a:r>
           </a:p>
           <a:p>
@@ -4547,23 +4535,7 @@
           <a:p>
             <a:r>
               <a:rPr lang="en-US" dirty="0"/>
-              <a:t>Max is a </a:t>
-            </a:r>
-            <a:r>
-              <a:rPr lang="en-US" dirty="0" smtClean="0"/>
-              <a:t>bar/nightclub </a:t>
-            </a:r>
-            <a:r>
-              <a:rPr lang="en-US" dirty="0"/>
-              <a:t>that has no i</a:t>
-            </a:r>
-            <a:r>
-              <a:rPr lang="en-US" dirty="0" smtClean="0"/>
-              <a:t>nventory </a:t>
-            </a:r>
-            <a:r>
-              <a:rPr lang="en-US" dirty="0"/>
-              <a:t>tracking system in place</a:t>
+              <a:t>Max is a bar/nightclub that has no inventory tracking system in place</a:t>
             </a:r>
           </a:p>
           <a:p>
@@ -4843,7 +4815,9 @@
         </p:nvSpPr>
         <p:spPr/>
         <p:txBody>
-          <a:bodyPr/>
+          <a:bodyPr>
+            <a:normAutofit lnSpcReduction="10000"/>
+          </a:bodyPr>
           <a:lstStyle/>
           <a:p>
             <a:r>
@@ -4852,6 +4826,55 @@
             </a:r>
           </a:p>
           <a:p>
+            <a:r>
+              <a:rPr lang="en-US" dirty="0"/>
+              <a:t>We used the System Development Life Cycle (SDLC) to develop this application.</a:t>
+            </a:r>
+          </a:p>
+          <a:p>
+            <a:r>
+              <a:rPr lang="en-US" dirty="0"/>
+              <a:t>The system features include:</a:t>
+            </a:r>
+          </a:p>
+          <a:p>
+            <a:pPr lvl="1"/>
+            <a:r>
+              <a:rPr lang="en-US" dirty="0"/>
+              <a:t>Input inventory</a:t>
+            </a:r>
+          </a:p>
+          <a:p>
+            <a:pPr lvl="1"/>
+            <a:r>
+              <a:rPr lang="en-US" dirty="0"/>
+              <a:t>Keep track of pull inventory</a:t>
+            </a:r>
+          </a:p>
+          <a:p>
+            <a:pPr lvl="1"/>
+            <a:r>
+              <a:rPr lang="en-US" dirty="0"/>
+              <a:t>Input vendors</a:t>
+            </a:r>
+          </a:p>
+          <a:p>
+            <a:pPr lvl="1"/>
+            <a:r>
+              <a:rPr lang="en-US" dirty="0"/>
+              <a:t>Input invoices</a:t>
+            </a:r>
+          </a:p>
+          <a:p>
+            <a:pPr lvl="1"/>
+            <a:r>
+              <a:rPr lang="en-US" dirty="0"/>
+              <a:t>Report on inventory, pull inventory, </a:t>
+            </a:r>
+            <a:r>
+              <a:rPr lang="en-US"/>
+              <a:t>and invoices</a:t>
+            </a:r>
             <a:endParaRPr lang="en-US" dirty="0"/>
           </a:p>
         </p:txBody>
@@ -4977,7 +5000,7 @@
           <p:cNvPr id="2" name="Title 1">
             <a:extLst>
               <a:ext uri="{FF2B5EF4-FFF2-40B4-BE49-F238E27FC236}">
-                <a16:creationId xmlns="" xmlns:a16="http://schemas.microsoft.com/office/drawing/2014/main" id="{EC0E82B3-A422-49D4-8819-FA606836E29E}"/>
+                <a16:creationId xmlns:a16="http://schemas.microsoft.com/office/drawing/2014/main" id="{EC0E82B3-A422-49D4-8819-FA606836E29E}"/>
               </a:ext>
             </a:extLst>
           </p:cNvPr>
@@ -5005,7 +5028,7 @@
           <p:cNvPr id="3" name="Content Placeholder 2">
             <a:extLst>
               <a:ext uri="{FF2B5EF4-FFF2-40B4-BE49-F238E27FC236}">
-                <a16:creationId xmlns="" xmlns:a16="http://schemas.microsoft.com/office/drawing/2014/main" id="{B0A37226-C7FA-448E-9535-29E729B85892}"/>
+                <a16:creationId xmlns:a16="http://schemas.microsoft.com/office/drawing/2014/main" id="{B0A37226-C7FA-448E-9535-29E729B85892}"/>
               </a:ext>
             </a:extLst>
           </p:cNvPr>
@@ -5116,34 +5139,39 @@
         </p:nvSpPr>
         <p:spPr/>
         <p:txBody>
-          <a:bodyPr/>
-          <a:lstStyle/>
-          <a:p>
-            <a:r>
-              <a:rPr lang="en-US" dirty="0"/>
-              <a:t>System Design </a:t>
-            </a:r>
-          </a:p>
-          <a:p>
-            <a:r>
-              <a:rPr lang="en-US" dirty="0"/>
-              <a:t>Implementation </a:t>
-            </a:r>
-          </a:p>
-          <a:p>
-            <a:r>
-              <a:rPr lang="en-US" dirty="0"/>
-              <a:t>Database design and development </a:t>
-            </a:r>
-          </a:p>
-          <a:p>
-            <a:r>
-              <a:rPr lang="en-US" dirty="0"/>
-              <a:t>Effective Maintenance and Testing methods </a:t>
-            </a:r>
-          </a:p>
-          <a:p>
-            <a:endParaRPr lang="en-US" dirty="0"/>
+          <a:bodyPr>
+            <a:normAutofit fontScale="92500"/>
+          </a:bodyPr>
+          <a:lstStyle/>
+          <a:p>
+            <a:r>
+              <a:rPr lang="en-US" dirty="0"/>
+              <a:t>Google and YouTube are excellent resources for Microsoft Access tutorials</a:t>
+            </a:r>
+          </a:p>
+          <a:p>
+            <a:r>
+              <a:rPr lang="en-US" dirty="0"/>
+              <a:t>Teamwork can be stressful</a:t>
+            </a:r>
+          </a:p>
+          <a:p>
+            <a:r>
+              <a:rPr lang="en-US" dirty="0"/>
+              <a:t>Starting early on tasks is key to producing good work</a:t>
+            </a:r>
+          </a:p>
+          <a:p>
+            <a:r>
+              <a:rPr lang="en-US" dirty="0"/>
+              <a:t>Inventory systems are not generic- need to be tailored to individual situation</a:t>
+            </a:r>
+          </a:p>
+          <a:p>
+            <a:r>
+              <a:rPr lang="en-US" dirty="0"/>
+              <a:t>Proper documentation is key to an easy implementation</a:t>
+            </a:r>
           </a:p>
           <a:p>
             <a:pPr marL="0" indent="0">
